--- a/clase 7/Capacitación Maratones.pptx
+++ b/clase 7/Capacitación Maratones.pptx
@@ -6276,52 +6276,6 @@
           <a:chExt cx="0" cy="0"/>
         </a:xfrm>
       </p:grpSpPr>
-      <p:sp>
-        <p:nvSpPr>
-          <p:cNvPr id="2" name="Subtítulo 1">
-            <a:extLst>
-              <a:ext uri="{FF2B5EF4-FFF2-40B4-BE49-F238E27FC236}">
-                <a16:creationId xmlns:a16="http://schemas.microsoft.com/office/drawing/2014/main" id="{29A75048-B2F8-4A8B-9645-CF6D9A7AE10B}"/>
-              </a:ext>
-            </a:extLst>
-          </p:cNvPr>
-          <p:cNvSpPr>
-            <a:spLocks noGrp="1"/>
-          </p:cNvSpPr>
-          <p:nvPr>
-            <p:ph type="subTitle" idx="1"/>
-          </p:nvPr>
-        </p:nvSpPr>
-        <p:spPr>
-          <a:xfrm flipH="1">
-            <a:off x="477806" y="4106305"/>
-            <a:ext cx="7777194" cy="845102"/>
-          </a:xfrm>
-        </p:spPr>
-        <p:txBody>
-          <a:bodyPr/>
-          <a:lstStyle/>
-          <a:p>
-            <a:pPr marL="152400" indent="0" algn="just">
-              <a:buNone/>
-            </a:pPr>
-            <a:r>
-              <a:rPr lang="es-CO" sz="1200" dirty="0">
-                <a:latin typeface="Abadi" panose="020B0604020104020204" pitchFamily="34" charset="0"/>
-              </a:rPr>
-              <a:t>El Montículo binario o cola de prioridad es una estructura de datos que nos permite sacar el máximo o el mínimo de un conjunto de datos con mayor eficiencia. </a:t>
-            </a:r>
-          </a:p>
-          <a:p>
-            <a:pPr marL="152400" indent="0" algn="just">
-              <a:buNone/>
-            </a:pPr>
-            <a:endParaRPr lang="es-CO" sz="1200" dirty="0">
-              <a:latin typeface="Abadi" panose="020B0604020104020204" pitchFamily="34" charset="0"/>
-            </a:endParaRPr>
-          </a:p>
-        </p:txBody>
-      </p:sp>
       <p:pic>
         <p:nvPicPr>
           <p:cNvPr id="4" name="Picture 4" descr="Símbolos Universitarios – Universidad de Nariño">
@@ -6697,52 +6651,6 @@
           <a:chExt cx="0" cy="0"/>
         </a:xfrm>
       </p:grpSpPr>
-      <p:sp>
-        <p:nvSpPr>
-          <p:cNvPr id="2" name="Subtítulo 1">
-            <a:extLst>
-              <a:ext uri="{FF2B5EF4-FFF2-40B4-BE49-F238E27FC236}">
-                <a16:creationId xmlns:a16="http://schemas.microsoft.com/office/drawing/2014/main" id="{29A75048-B2F8-4A8B-9645-CF6D9A7AE10B}"/>
-              </a:ext>
-            </a:extLst>
-          </p:cNvPr>
-          <p:cNvSpPr>
-            <a:spLocks noGrp="1"/>
-          </p:cNvSpPr>
-          <p:nvPr>
-            <p:ph type="subTitle" idx="1"/>
-          </p:nvPr>
-        </p:nvSpPr>
-        <p:spPr>
-          <a:xfrm flipH="1">
-            <a:off x="516331" y="4195384"/>
-            <a:ext cx="7777194" cy="845102"/>
-          </a:xfrm>
-        </p:spPr>
-        <p:txBody>
-          <a:bodyPr/>
-          <a:lstStyle/>
-          <a:p>
-            <a:pPr marL="152400" indent="0" algn="just">
-              <a:buNone/>
-            </a:pPr>
-            <a:r>
-              <a:rPr lang="es-CO" sz="1200" dirty="0">
-                <a:latin typeface="Abadi" panose="020B0604020104020204" pitchFamily="34" charset="0"/>
-              </a:rPr>
-              <a:t>El Montículo binario o cola de prioridad es una estructura de datos que nos permite sacar el máximo o el mínimo de un conjunto de datos con mayor eficiencia. </a:t>
-            </a:r>
-          </a:p>
-          <a:p>
-            <a:pPr marL="152400" indent="0" algn="just">
-              <a:buNone/>
-            </a:pPr>
-            <a:endParaRPr lang="es-CO" sz="1200" dirty="0">
-              <a:latin typeface="Abadi" panose="020B0604020104020204" pitchFamily="34" charset="0"/>
-            </a:endParaRPr>
-          </a:p>
-        </p:txBody>
-      </p:sp>
       <p:pic>
         <p:nvPicPr>
           <p:cNvPr id="4" name="Picture 4" descr="Símbolos Universitarios – Universidad de Nariño">
